--- a/doc/Labs/source_docs/lab4_presentation.pptx
+++ b/doc/Labs/source_docs/lab4_presentation.pptx
@@ -221,7 +221,7 @@
             </a:pPr>
             <a:fld id="{ABCC478D-9571-4DA3-A228-C57D01FD3581}" type="datetimeFigureOut">
               <a:rPr lang="ru-RU"/>
-              <a:t>28.03.2023</a:t>
+              <a:t>29.03.2023</a:t>
             </a:fld>
             <a:endParaRPr lang="ru-RU"/>
           </a:p>
@@ -793,7 +793,7 @@
             </a:pPr>
             <a:fld id="{FF578F7A-5397-4B74-A922-522342A46AA2}" type="datetime1">
               <a:rPr lang="ru-RU" smtClean="0"/>
-              <a:t>28.03.2023</a:t>
+              <a:t>29.03.2023</a:t>
             </a:fld>
             <a:endParaRPr lang="ru-RU"/>
           </a:p>
@@ -1021,7 +1021,7 @@
             </a:pPr>
             <a:fld id="{1D0382F9-5D66-4028-889E-DC2E752A1857}" type="datetime1">
               <a:rPr lang="ru-RU" smtClean="0"/>
-              <a:t>28.03.2023</a:t>
+              <a:t>29.03.2023</a:t>
             </a:fld>
             <a:endParaRPr lang="ru-RU"/>
           </a:p>
@@ -1222,7 +1222,7 @@
             </a:pPr>
             <a:fld id="{CB9E274E-240E-4956-963D-B02765DE6BB4}" type="datetime1">
               <a:rPr lang="ru-RU" smtClean="0"/>
-              <a:t>28.03.2023</a:t>
+              <a:t>29.03.2023</a:t>
             </a:fld>
             <a:endParaRPr lang="ru-RU"/>
           </a:p>
@@ -1413,7 +1413,7 @@
             </a:pPr>
             <a:fld id="{657D0235-7B62-44E6-BBE5-E9120B1C15B3}" type="datetime1">
               <a:rPr lang="ru-RU" smtClean="0"/>
-              <a:t>28.03.2023</a:t>
+              <a:t>29.03.2023</a:t>
             </a:fld>
             <a:endParaRPr lang="ru-RU"/>
           </a:p>
@@ -1676,7 +1676,7 @@
             </a:pPr>
             <a:fld id="{FCBF7EB7-7434-4135-94A9-DA16E73AFC3A}" type="datetime1">
               <a:rPr lang="ru-RU" smtClean="0"/>
-              <a:t>28.03.2023</a:t>
+              <a:t>29.03.2023</a:t>
             </a:fld>
             <a:endParaRPr lang="ru-RU"/>
           </a:p>
@@ -2036,7 +2036,7 @@
             </a:pPr>
             <a:fld id="{2B92A0B6-C5AF-4010-9E07-387B89A345FF}" type="datetime1">
               <a:rPr lang="ru-RU" smtClean="0"/>
-              <a:t>28.03.2023</a:t>
+              <a:t>29.03.2023</a:t>
             </a:fld>
             <a:endParaRPr lang="ru-RU"/>
           </a:p>
@@ -2554,7 +2554,7 @@
             </a:pPr>
             <a:fld id="{01F9B056-F112-4F0C-B97E-52D20B6645C8}" type="datetime1">
               <a:rPr lang="ru-RU" smtClean="0"/>
-              <a:t>28.03.2023</a:t>
+              <a:t>29.03.2023</a:t>
             </a:fld>
             <a:endParaRPr lang="ru-RU"/>
           </a:p>
@@ -2716,7 +2716,7 @@
             </a:pPr>
             <a:fld id="{1C75562C-A453-46EE-832D-0F3A3973459C}" type="datetime1">
               <a:rPr lang="ru-RU" smtClean="0"/>
-              <a:t>28.03.2023</a:t>
+              <a:t>29.03.2023</a:t>
             </a:fld>
             <a:endParaRPr lang="ru-RU"/>
           </a:p>
@@ -2815,7 +2815,7 @@
             </a:pPr>
             <a:fld id="{9B6E3674-9774-439A-8C6F-D41744AC7428}" type="datetime1">
               <a:rPr lang="ru-RU" smtClean="0"/>
-              <a:t>28.03.2023</a:t>
+              <a:t>29.03.2023</a:t>
             </a:fld>
             <a:endParaRPr lang="ru-RU"/>
           </a:p>
@@ -3118,7 +3118,7 @@
             </a:pPr>
             <a:fld id="{9F10B63E-CABF-4940-AB44-8DC2669C5DB1}" type="datetime1">
               <a:rPr lang="ru-RU" smtClean="0"/>
-              <a:t>28.03.2023</a:t>
+              <a:t>29.03.2023</a:t>
             </a:fld>
             <a:endParaRPr lang="ru-RU"/>
           </a:p>
@@ -3446,7 +3446,7 @@
             </a:pPr>
             <a:fld id="{BCDBC4F4-D9C3-4681-8CD5-3A0656F47956}" type="datetime1">
               <a:rPr lang="ru-RU" smtClean="0"/>
-              <a:t>28.03.2023</a:t>
+              <a:t>29.03.2023</a:t>
             </a:fld>
             <a:endParaRPr lang="ru-RU"/>
           </a:p>
@@ -3774,7 +3774,7 @@
             </a:pPr>
             <a:fld id="{A746065A-343F-487F-A59F-EAF99AC90E9C}" type="datetime1">
               <a:rPr lang="ru-RU" smtClean="0"/>
-              <a:t>28.03.2023</a:t>
+              <a:t>29.03.2023</a:t>
             </a:fld>
             <a:endParaRPr lang="ru-RU"/>
           </a:p>
@@ -7447,7 +7447,7 @@
         <p:spPr>
           <a:xfrm>
             <a:off x="273223" y="1652453"/>
-            <a:ext cx="8597552" cy="468000"/>
+            <a:ext cx="8597552" cy="462050"/>
           </a:xfrm>
           <a:prstGeom prst="rect">
             <a:avLst/>
@@ -7468,19 +7468,54 @@
               <a:lnSpc>
                 <a:spcPct val="150000"/>
               </a:lnSpc>
+              <a:spcBef>
+                <a:spcPts val="1200"/>
+              </a:spcBef>
               <a:spcAft>
-                <a:spcPts val="0"/>
+                <a:spcPts val="1200"/>
               </a:spcAft>
             </a:pPr>
             <a:r>
-              <a:rPr lang="en-US" sz="1600" dirty="0">
+              <a:rPr lang="en-US" dirty="0">
                 <a:latin typeface="Bahnschrift Light" panose="020B0502040204020203" pitchFamily="34" charset="0"/>
                 <a:ea typeface="Calibri" panose="020F0502020204030204" pitchFamily="34" charset="0"/>
                 <a:cs typeface="Times New Roman" panose="02020603050405020304" pitchFamily="18" charset="0"/>
               </a:rPr>
-              <a:t>export PATH=/local/pkims06/SOC_PROGRAMMING_ARCH/riscv-gcc-10.2.0/bin:/$PATH</a:t>
-            </a:r>
-            <a:endParaRPr lang="ru-RU" sz="1400" dirty="0">
+              <a:t>export PATH=/local/</a:t>
+            </a:r>
+            <a:r>
+              <a:rPr lang="en-US" dirty="0" err="1">
+                <a:latin typeface="Bahnschrift Light" panose="020B0502040204020203" pitchFamily="34" charset="0"/>
+                <a:ea typeface="Calibri" panose="020F0502020204030204" pitchFamily="34" charset="0"/>
+                <a:cs typeface="Times New Roman" panose="02020603050405020304" pitchFamily="18" charset="0"/>
+              </a:rPr>
+              <a:t>pkims_labs</a:t>
+            </a:r>
+            <a:r>
+              <a:rPr lang="en-US" dirty="0">
+                <a:latin typeface="Bahnschrift Light" panose="020B0502040204020203" pitchFamily="34" charset="0"/>
+                <a:ea typeface="Calibri" panose="020F0502020204030204" pitchFamily="34" charset="0"/>
+                <a:cs typeface="Times New Roman" panose="02020603050405020304" pitchFamily="18" charset="0"/>
+              </a:rPr>
+              <a:t>/</a:t>
+            </a:r>
+            <a:r>
+              <a:rPr lang="en-US" dirty="0" err="1">
+                <a:latin typeface="Bahnschrift Light" panose="020B0502040204020203" pitchFamily="34" charset="0"/>
+                <a:ea typeface="Calibri" panose="020F0502020204030204" pitchFamily="34" charset="0"/>
+                <a:cs typeface="Times New Roman" panose="02020603050405020304" pitchFamily="18" charset="0"/>
+              </a:rPr>
+              <a:t>labs_SoC_PROG</a:t>
+            </a:r>
+            <a:r>
+              <a:rPr lang="en-US" dirty="0">
+                <a:latin typeface="Bahnschrift Light" panose="020B0502040204020203" pitchFamily="34" charset="0"/>
+                <a:ea typeface="Calibri" panose="020F0502020204030204" pitchFamily="34" charset="0"/>
+                <a:cs typeface="Times New Roman" panose="02020603050405020304" pitchFamily="18" charset="0"/>
+              </a:rPr>
+              <a:t>/riscv-gcc-10.2.0/bin:/$PATH</a:t>
+            </a:r>
+            <a:endParaRPr lang="ru-RU" sz="1600" dirty="0">
               <a:effectLst/>
               <a:latin typeface="Calibri" panose="020F0502020204030204" pitchFamily="34" charset="0"/>
               <a:ea typeface="Calibri" panose="020F0502020204030204" pitchFamily="34" charset="0"/>
@@ -7598,7 +7633,39 @@
                 <a:ea typeface="Calibri" panose="020F0502020204030204" pitchFamily="34" charset="0"/>
                 <a:cs typeface="Times New Roman" panose="02020603050405020304" pitchFamily="18" charset="0"/>
               </a:rPr>
-              <a:t>/local/pkims06/SOC_PROGRAMMING_ARCH/</a:t>
+              <a:t>/local/</a:t>
+            </a:r>
+            <a:r>
+              <a:rPr lang="en-US" dirty="0" err="1">
+                <a:latin typeface="Bahnschrift Light" panose="020B0502040204020203" pitchFamily="34" charset="0"/>
+                <a:ea typeface="Calibri" panose="020F0502020204030204" pitchFamily="34" charset="0"/>
+                <a:cs typeface="Times New Roman" panose="02020603050405020304" pitchFamily="18" charset="0"/>
+              </a:rPr>
+              <a:t>pkims_labs</a:t>
+            </a:r>
+            <a:r>
+              <a:rPr lang="en-US" dirty="0">
+                <a:latin typeface="Bahnschrift Light" panose="020B0502040204020203" pitchFamily="34" charset="0"/>
+                <a:ea typeface="Calibri" panose="020F0502020204030204" pitchFamily="34" charset="0"/>
+                <a:cs typeface="Times New Roman" panose="02020603050405020304" pitchFamily="18" charset="0"/>
+              </a:rPr>
+              <a:t>/</a:t>
+            </a:r>
+            <a:r>
+              <a:rPr lang="en-US" dirty="0" err="1">
+                <a:latin typeface="Bahnschrift Light" panose="020B0502040204020203" pitchFamily="34" charset="0"/>
+                <a:ea typeface="Calibri" panose="020F0502020204030204" pitchFamily="34" charset="0"/>
+                <a:cs typeface="Times New Roman" panose="02020603050405020304" pitchFamily="18" charset="0"/>
+              </a:rPr>
+              <a:t>labs_SoC_PROG</a:t>
+            </a:r>
+            <a:r>
+              <a:rPr lang="en-US" dirty="0">
+                <a:latin typeface="Bahnschrift Light" panose="020B0502040204020203" pitchFamily="34" charset="0"/>
+                <a:ea typeface="Calibri" panose="020F0502020204030204" pitchFamily="34" charset="0"/>
+                <a:cs typeface="Times New Roman" panose="02020603050405020304" pitchFamily="18" charset="0"/>
+              </a:rPr>
+              <a:t>/</a:t>
             </a:r>
             <a:r>
               <a:rPr lang="en-US" dirty="0" err="1">
@@ -7852,6 +7919,30 @@
                 <a:spcPts val="0"/>
               </a:spcAft>
             </a:pPr>
+            <a:r>
+              <a:rPr lang="en-US" dirty="0">
+                <a:latin typeface="Bahnschrift Light" panose="020B0502040204020203" pitchFamily="34" charset="0"/>
+                <a:ea typeface="Calibri" panose="020F0502020204030204" pitchFamily="34" charset="0"/>
+                <a:cs typeface="Times New Roman" panose="02020603050405020304" pitchFamily="18" charset="0"/>
+              </a:rPr>
+              <a:t>&lt;</a:t>
+            </a:r>
+            <a:r>
+              <a:rPr lang="en-US" dirty="0" err="1">
+                <a:latin typeface="Bahnschrift Light" panose="020B0502040204020203" pitchFamily="34" charset="0"/>
+                <a:ea typeface="Calibri" panose="020F0502020204030204" pitchFamily="34" charset="0"/>
+                <a:cs typeface="Times New Roman" panose="02020603050405020304" pitchFamily="18" charset="0"/>
+              </a:rPr>
+              <a:t>your_path</a:t>
+            </a:r>
+            <a:r>
+              <a:rPr lang="en-US" dirty="0">
+                <a:latin typeface="Bahnschrift Light" panose="020B0502040204020203" pitchFamily="34" charset="0"/>
+                <a:ea typeface="Calibri" panose="020F0502020204030204" pitchFamily="34" charset="0"/>
+                <a:cs typeface="Times New Roman" panose="02020603050405020304" pitchFamily="18" charset="0"/>
+              </a:rPr>
+              <a:t>&gt;/</a:t>
+            </a:r>
             <a:r>
               <a:rPr lang="en-US" dirty="0" err="1">
                 <a:latin typeface="Bahnschrift Light" panose="020B0502040204020203" pitchFamily="34" charset="0"/>
